--- a/doc/VisualAzureStudio.pptx
+++ b/doc/VisualAzureStudio.pptx
@@ -6,6 +6,16 @@
   </p:sldMasterIdLst>
   <p:sldIdLst>
     <p:sldId id="256" r:id="rId2"/>
+    <p:sldId id="257" r:id="rId3"/>
+    <p:sldId id="258" r:id="rId4"/>
+    <p:sldId id="259" r:id="rId5"/>
+    <p:sldId id="263" r:id="rId6"/>
+    <p:sldId id="260" r:id="rId7"/>
+    <p:sldId id="266" r:id="rId8"/>
+    <p:sldId id="261" r:id="rId9"/>
+    <p:sldId id="262" r:id="rId10"/>
+    <p:sldId id="265" r:id="rId11"/>
+    <p:sldId id="264" r:id="rId12"/>
   </p:sldIdLst>
   <p:sldSz cx="12192000" cy="6858000"/>
   <p:notesSz cx="6858000" cy="9144000"/>
@@ -104,6 +114,11 @@
       </a:defRPr>
     </a:lvl9pPr>
   </p:defaultTextStyle>
+  <p:extLst>
+    <p:ext uri="{EFAFB233-063F-42B5-8137-9DF3F51BA10A}">
+      <p15:sldGuideLst xmlns:p15="http://schemas.microsoft.com/office/powerpoint/2012/main"/>
+    </p:ext>
+  </p:extLst>
 </p:presentation>
 </file>
 
@@ -443,7 +458,7 @@
             <a:fld id="{5923F103-BC34-4FE4-A40E-EDDEECFDA5D0}" type="datetimeFigureOut">
               <a:rPr lang="en-US" dirty="0"/>
               <a:pPr/>
-              <a:t>7/23/19</a:t>
+              <a:t>7/24/19</a:t>
             </a:fld>
             <a:endParaRPr lang="en-US" dirty="0"/>
           </a:p>
@@ -1527,7 +1542,7 @@
           <a:p>
             <a:fld id="{923A1CC3-2375-41D4-9E03-427CAF2A4C1A}" type="datetimeFigureOut">
               <a:rPr lang="en-US" dirty="0"/>
-              <a:t>7/23/19</a:t>
+              <a:t>7/24/19</a:t>
             </a:fld>
             <a:endParaRPr lang="en-US" dirty="0"/>
           </a:p>
@@ -2503,7 +2518,7 @@
           <a:p>
             <a:fld id="{AFF16868-8199-4C2C-A5B1-63AEE139F88E}" type="datetimeFigureOut">
               <a:rPr lang="en-US" dirty="0"/>
-              <a:t>7/23/19</a:t>
+              <a:t>7/24/19</a:t>
             </a:fld>
             <a:endParaRPr lang="en-US" dirty="0"/>
           </a:p>
@@ -3633,7 +3648,7 @@
           <a:p>
             <a:fld id="{AAD9FF7F-6988-44CC-821B-644E70CD2F73}" type="datetimeFigureOut">
               <a:rPr lang="en-US" dirty="0"/>
-              <a:t>7/23/19</a:t>
+              <a:t>7/24/19</a:t>
             </a:fld>
             <a:endParaRPr lang="en-US" dirty="0"/>
           </a:p>
@@ -4662,7 +4677,7 @@
           <a:p>
             <a:fld id="{5C12C299-16B2-4475-990D-751901EACC14}" type="datetimeFigureOut">
               <a:rPr lang="en-US" dirty="0"/>
-              <a:t>7/23/19</a:t>
+              <a:t>7/24/19</a:t>
             </a:fld>
             <a:endParaRPr lang="en-US" dirty="0"/>
           </a:p>
@@ -5318,7 +5333,7 @@
           <a:p>
             <a:fld id="{9FE86839-B9D8-4651-8783-F325ECE74E65}" type="datetimeFigureOut">
               <a:rPr lang="en-US" dirty="0"/>
-              <a:t>7/23/19</a:t>
+              <a:t>7/24/19</a:t>
             </a:fld>
             <a:endParaRPr lang="en-US" dirty="0"/>
           </a:p>
@@ -6175,7 +6190,7 @@
           <a:p>
             <a:fld id="{FD484F64-32F6-45C5-931F-ADC1662401D0}" type="datetimeFigureOut">
               <a:rPr lang="en-US" dirty="0"/>
-              <a:t>7/23/19</a:t>
+              <a:t>7/24/19</a:t>
             </a:fld>
             <a:endParaRPr lang="en-US" dirty="0"/>
           </a:p>
@@ -6361,7 +6376,7 @@
           <a:p>
             <a:fld id="{53086D93-FCAC-47E0-A2EE-787E62CA814C}" type="datetimeFigureOut">
               <a:rPr lang="en-US" dirty="0"/>
-              <a:t>7/23/19</a:t>
+              <a:t>7/24/19</a:t>
             </a:fld>
             <a:endParaRPr lang="en-US" dirty="0"/>
           </a:p>
@@ -7329,7 +7344,7 @@
           <a:p>
             <a:fld id="{CDA879A6-0FD0-4734-A311-86BFCA472E6E}" type="datetimeFigureOut">
               <a:rPr lang="en-US" dirty="0"/>
-              <a:t>7/23/19</a:t>
+              <a:t>7/24/19</a:t>
             </a:fld>
             <a:endParaRPr lang="en-US" dirty="0"/>
           </a:p>
@@ -7536,7 +7551,7 @@
           <a:p>
             <a:fld id="{19C9CA7B-DFD4-44B5-8C60-D14B8CD1FB59}" type="datetimeFigureOut">
               <a:rPr lang="en-US" dirty="0"/>
-              <a:t>7/23/19</a:t>
+              <a:t>7/24/19</a:t>
             </a:fld>
             <a:endParaRPr lang="en-US" dirty="0"/>
           </a:p>
@@ -8566,7 +8581,7 @@
           <a:p>
             <a:fld id="{F34E6425-0181-43F2-84FC-787E803FD2F8}" type="datetimeFigureOut">
               <a:rPr lang="en-US" dirty="0"/>
-              <a:t>7/23/19</a:t>
+              <a:t>7/24/19</a:t>
             </a:fld>
             <a:endParaRPr lang="en-US" dirty="0"/>
           </a:p>
@@ -8834,7 +8849,7 @@
           <a:p>
             <a:fld id="{3BDB8791-F1B0-41E7-B7FD-A781E65C4266}" type="datetimeFigureOut">
               <a:rPr lang="en-US" dirty="0"/>
-              <a:t>7/23/19</a:t>
+              <a:t>7/24/19</a:t>
             </a:fld>
             <a:endParaRPr lang="en-US" dirty="0"/>
           </a:p>
@@ -9240,7 +9255,7 @@
           <a:p>
             <a:fld id="{5FDD63B2-E120-4ED8-B27B-C685F510A5FE}" type="datetimeFigureOut">
               <a:rPr lang="en-US" dirty="0"/>
-              <a:t>7/23/19</a:t>
+              <a:t>7/24/19</a:t>
             </a:fld>
             <a:endParaRPr lang="en-US" dirty="0"/>
           </a:p>
@@ -9363,7 +9378,7 @@
           <a:p>
             <a:fld id="{7AA18ACC-A947-437B-A130-35BD54FDF1E9}" type="datetimeFigureOut">
               <a:rPr lang="en-US" dirty="0"/>
-              <a:t>7/23/19</a:t>
+              <a:t>7/24/19</a:t>
             </a:fld>
             <a:endParaRPr lang="en-US" dirty="0"/>
           </a:p>
@@ -9454,7 +9469,7 @@
           <a:p>
             <a:fld id="{7C8D7E02-BCB8-4D50-A234-369438C08659}" type="datetimeFigureOut">
               <a:rPr lang="en-US" dirty="0"/>
-              <a:t>7/23/19</a:t>
+              <a:t>7/24/19</a:t>
             </a:fld>
             <a:endParaRPr lang="en-US" dirty="0"/>
           </a:p>
@@ -10531,7 +10546,7 @@
           <a:p>
             <a:fld id="{76E86A4C-8E40-4F87-A4F0-01A0687C5742}" type="datetimeFigureOut">
               <a:rPr lang="en-US" dirty="0"/>
-              <a:t>7/23/19</a:t>
+              <a:t>7/24/19</a:t>
             </a:fld>
             <a:endParaRPr lang="en-US" dirty="0"/>
           </a:p>
@@ -11635,7 +11650,7 @@
           <a:p>
             <a:fld id="{35E72C73-2D91-4E12-BA25-F0AA0C03599B}" type="datetimeFigureOut">
               <a:rPr lang="en-US" dirty="0"/>
-              <a:t>7/23/19</a:t>
+              <a:t>7/24/19</a:t>
             </a:fld>
             <a:endParaRPr lang="en-US" dirty="0"/>
           </a:p>
@@ -12628,7 +12643,7 @@
           <a:p>
             <a:fld id="{2BE451C3-0FF4-47C4-B829-773ADF60F88C}" type="datetimeFigureOut">
               <a:rPr lang="en-US" dirty="0"/>
-              <a:t>7/23/19</a:t>
+              <a:t>7/24/19</a:t>
             </a:fld>
             <a:endParaRPr lang="en-US" dirty="0"/>
           </a:p>
@@ -13207,7 +13222,7 @@
           <a:p>
             <a:r>
               <a:rPr lang="en-US" dirty="0"/>
-              <a:t>Visual Azure Studio</a:t>
+              <a:t>Visual                    Studio</a:t>
             </a:r>
           </a:p>
         </p:txBody>
@@ -13237,7 +13252,7 @@
           <a:p>
             <a:r>
               <a:rPr lang="en-US" dirty="0"/>
-              <a:t>Hackathon 2019</a:t>
+              <a:t>For one week Hackathon 2019</a:t>
             </a:r>
           </a:p>
           <a:p>
@@ -13318,10 +13333,1079 @@
           </a:p>
         </p:txBody>
       </p:sp>
+      <p:pic>
+        <p:nvPicPr>
+          <p:cNvPr id="1026" name="Picture 2" descr="See the source image">
+            <a:extLst>
+              <a:ext uri="{FF2B5EF4-FFF2-40B4-BE49-F238E27FC236}">
+                <a16:creationId xmlns:a16="http://schemas.microsoft.com/office/drawing/2014/main" id="{4F964752-0925-7341-8BDA-5E2D859C341E}"/>
+              </a:ext>
+            </a:extLst>
+          </p:cNvPr>
+          <p:cNvPicPr>
+            <a:picLocks noChangeAspect="1" noChangeArrowheads="1"/>
+          </p:cNvPicPr>
+          <p:nvPr/>
+        </p:nvPicPr>
+        <p:blipFill>
+          <a:blip r:embed="rId2">
+            <a:extLst>
+              <a:ext uri="{28A0092B-C50C-407E-A947-70E740481C1C}">
+                <a14:useLocalDpi xmlns:a14="http://schemas.microsoft.com/office/drawing/2010/main" val="0"/>
+              </a:ext>
+            </a:extLst>
+          </a:blip>
+          <a:srcRect/>
+          <a:stretch>
+            <a:fillRect/>
+          </a:stretch>
+        </p:blipFill>
+        <p:spPr bwMode="auto">
+          <a:xfrm>
+            <a:off x="3366815" y="3719385"/>
+            <a:ext cx="3369358" cy="973956"/>
+          </a:xfrm>
+          <a:prstGeom prst="rect">
+            <a:avLst/>
+          </a:prstGeom>
+          <a:noFill/>
+          <a:extLst>
+            <a:ext uri="{909E8E84-426E-40DD-AFC4-6F175D3DCCD1}">
+              <a14:hiddenFill xmlns:a14="http://schemas.microsoft.com/office/drawing/2010/main">
+                <a:solidFill>
+                  <a:srgbClr val="FFFFFF"/>
+                </a:solidFill>
+              </a14:hiddenFill>
+            </a:ext>
+          </a:extLst>
+        </p:spPr>
+      </p:pic>
     </p:spTree>
     <p:extLst>
       <p:ext uri="{BB962C8B-B14F-4D97-AF65-F5344CB8AC3E}">
         <p14:creationId xmlns:p14="http://schemas.microsoft.com/office/powerpoint/2010/main" val="1204799320"/>
+      </p:ext>
+    </p:extLst>
+  </p:cSld>
+  <p:clrMapOvr>
+    <a:masterClrMapping/>
+  </p:clrMapOvr>
+</p:sld>
+</file>
+
+<file path=ppt/slides/slide10.xml><?xml version="1.0" encoding="utf-8"?>
+<p:sld xmlns:a="http://schemas.openxmlformats.org/drawingml/2006/main" xmlns:r="http://schemas.openxmlformats.org/officeDocument/2006/relationships" xmlns:p="http://schemas.openxmlformats.org/presentationml/2006/main" showMasterSp="0">
+  <p:cSld>
+    <p:spTree>
+      <p:nvGrpSpPr>
+        <p:cNvPr id="1" name=""/>
+        <p:cNvGrpSpPr/>
+        <p:nvPr/>
+      </p:nvGrpSpPr>
+      <p:grpSpPr>
+        <a:xfrm>
+          <a:off x="0" y="0"/>
+          <a:ext cx="0" cy="0"/>
+          <a:chOff x="0" y="0"/>
+          <a:chExt cx="0" cy="0"/>
+        </a:xfrm>
+      </p:grpSpPr>
+      <p:pic>
+        <p:nvPicPr>
+          <p:cNvPr id="6" name="Picture 5" descr="A screenshot of a cell phone&#10;&#10;Description automatically generated">
+            <a:extLst>
+              <a:ext uri="{FF2B5EF4-FFF2-40B4-BE49-F238E27FC236}">
+                <a16:creationId xmlns:a16="http://schemas.microsoft.com/office/drawing/2014/main" id="{238719E3-6575-8C40-B711-67763142BEDE}"/>
+              </a:ext>
+            </a:extLst>
+          </p:cNvPr>
+          <p:cNvPicPr>
+            <a:picLocks noChangeAspect="1"/>
+          </p:cNvPicPr>
+          <p:nvPr/>
+        </p:nvPicPr>
+        <p:blipFill>
+          <a:blip r:embed="rId2"/>
+          <a:stretch>
+            <a:fillRect/>
+          </a:stretch>
+        </p:blipFill>
+        <p:spPr>
+          <a:xfrm>
+            <a:off x="1672597" y="129653"/>
+            <a:ext cx="8656737" cy="6592879"/>
+          </a:xfrm>
+          <a:prstGeom prst="rect">
+            <a:avLst/>
+          </a:prstGeom>
+          <a:ln>
+            <a:noFill/>
+          </a:ln>
+          <a:effectLst>
+            <a:outerShdw blurRad="292100" dist="139700" dir="2700000" algn="tl" rotWithShape="0">
+              <a:srgbClr val="333333">
+                <a:alpha val="65000"/>
+              </a:srgbClr>
+            </a:outerShdw>
+          </a:effectLst>
+        </p:spPr>
+      </p:pic>
+    </p:spTree>
+    <p:extLst>
+      <p:ext uri="{BB962C8B-B14F-4D97-AF65-F5344CB8AC3E}">
+        <p14:creationId xmlns:p14="http://schemas.microsoft.com/office/powerpoint/2010/main" val="1352189859"/>
+      </p:ext>
+    </p:extLst>
+  </p:cSld>
+  <p:clrMapOvr>
+    <a:masterClrMapping/>
+  </p:clrMapOvr>
+</p:sld>
+</file>
+
+<file path=ppt/slides/slide11.xml><?xml version="1.0" encoding="utf-8"?>
+<p:sld xmlns:a="http://schemas.openxmlformats.org/drawingml/2006/main" xmlns:r="http://schemas.openxmlformats.org/officeDocument/2006/relationships" xmlns:p="http://schemas.openxmlformats.org/presentationml/2006/main">
+  <p:cSld>
+    <p:spTree>
+      <p:nvGrpSpPr>
+        <p:cNvPr id="1" name=""/>
+        <p:cNvGrpSpPr/>
+        <p:nvPr/>
+      </p:nvGrpSpPr>
+      <p:grpSpPr>
+        <a:xfrm>
+          <a:off x="0" y="0"/>
+          <a:ext cx="0" cy="0"/>
+          <a:chOff x="0" y="0"/>
+          <a:chExt cx="0" cy="0"/>
+        </a:xfrm>
+      </p:grpSpPr>
+      <p:sp>
+        <p:nvSpPr>
+          <p:cNvPr id="2" name="Title 1">
+            <a:extLst>
+              <a:ext uri="{FF2B5EF4-FFF2-40B4-BE49-F238E27FC236}">
+                <a16:creationId xmlns:a16="http://schemas.microsoft.com/office/drawing/2014/main" id="{43B4002E-1270-0D4A-B89C-567A0F0373C1}"/>
+              </a:ext>
+            </a:extLst>
+          </p:cNvPr>
+          <p:cNvSpPr>
+            <a:spLocks noGrp="1"/>
+          </p:cNvSpPr>
+          <p:nvPr>
+            <p:ph type="title"/>
+          </p:nvPr>
+        </p:nvSpPr>
+        <p:spPr/>
+        <p:txBody>
+          <a:bodyPr/>
+          <a:lstStyle/>
+          <a:p>
+            <a:r>
+              <a:rPr lang="en-US" dirty="0"/>
+              <a:t>Thank You!</a:t>
+            </a:r>
+          </a:p>
+        </p:txBody>
+      </p:sp>
+      <p:sp>
+        <p:nvSpPr>
+          <p:cNvPr id="3" name="Content Placeholder 2">
+            <a:extLst>
+              <a:ext uri="{FF2B5EF4-FFF2-40B4-BE49-F238E27FC236}">
+                <a16:creationId xmlns:a16="http://schemas.microsoft.com/office/drawing/2014/main" id="{80EE7FE2-AE9D-CA45-99DC-C034E1B7C1E3}"/>
+              </a:ext>
+            </a:extLst>
+          </p:cNvPr>
+          <p:cNvSpPr>
+            <a:spLocks noGrp="1"/>
+          </p:cNvSpPr>
+          <p:nvPr>
+            <p:ph idx="1"/>
+          </p:nvPr>
+        </p:nvSpPr>
+        <p:spPr/>
+        <p:txBody>
+          <a:bodyPr/>
+          <a:lstStyle/>
+          <a:p>
+            <a:r>
+              <a:rPr lang="en-US" dirty="0"/>
+              <a:t>Thank you from the whole Visual Azure Studio Hackathon 2019 team!</a:t>
+            </a:r>
+          </a:p>
+          <a:p>
+            <a:pPr marL="0" indent="0" algn="ctr">
+              <a:spcBef>
+                <a:spcPts val="0"/>
+              </a:spcBef>
+              <a:buNone/>
+            </a:pPr>
+            <a:endParaRPr lang="en-US" dirty="0"/>
+          </a:p>
+          <a:p>
+            <a:pPr marL="0" indent="0" algn="ctr">
+              <a:spcBef>
+                <a:spcPts val="500"/>
+              </a:spcBef>
+              <a:buNone/>
+            </a:pPr>
+            <a:r>
+              <a:rPr lang="en-US" b="1" dirty="0"/>
+              <a:t>William M </a:t>
+            </a:r>
+            <a:r>
+              <a:rPr lang="en-US" b="1" dirty="0" err="1"/>
+              <a:t>Mortl</a:t>
+            </a:r>
+            <a:endParaRPr lang="en-US" b="1" dirty="0"/>
+          </a:p>
+          <a:p>
+            <a:pPr marL="0" indent="0" algn="ctr">
+              <a:spcBef>
+                <a:spcPts val="500"/>
+              </a:spcBef>
+              <a:buNone/>
+            </a:pPr>
+            <a:r>
+              <a:rPr lang="en-US" b="1" dirty="0"/>
+              <a:t>Amanda Kaufman</a:t>
+            </a:r>
+          </a:p>
+          <a:p>
+            <a:pPr marL="0" indent="0" algn="ctr">
+              <a:spcBef>
+                <a:spcPts val="500"/>
+              </a:spcBef>
+              <a:buNone/>
+            </a:pPr>
+            <a:r>
+              <a:rPr lang="en-US" b="1" dirty="0"/>
+              <a:t>Mark Bishop</a:t>
+            </a:r>
+          </a:p>
+          <a:p>
+            <a:pPr marL="0" indent="0" algn="ctr">
+              <a:spcBef>
+                <a:spcPts val="500"/>
+              </a:spcBef>
+              <a:buNone/>
+            </a:pPr>
+            <a:r>
+              <a:rPr lang="en-US" b="1" dirty="0"/>
+              <a:t>Shruti Pathak</a:t>
+            </a:r>
+          </a:p>
+          <a:p>
+            <a:pPr marL="0" indent="0" algn="ctr">
+              <a:spcBef>
+                <a:spcPts val="500"/>
+              </a:spcBef>
+              <a:buNone/>
+            </a:pPr>
+            <a:r>
+              <a:rPr lang="en-US" b="1" dirty="0" err="1"/>
+              <a:t>Devanshi</a:t>
+            </a:r>
+            <a:r>
+              <a:rPr lang="en-US" b="1" dirty="0"/>
+              <a:t> Patel</a:t>
+            </a:r>
+          </a:p>
+          <a:p>
+            <a:pPr marL="0" indent="0" algn="ctr">
+              <a:spcBef>
+                <a:spcPts val="500"/>
+              </a:spcBef>
+              <a:buNone/>
+            </a:pPr>
+            <a:r>
+              <a:rPr lang="en-US" b="1" dirty="0"/>
+              <a:t>Craig </a:t>
+            </a:r>
+            <a:r>
+              <a:rPr lang="en-US" b="1" dirty="0" err="1"/>
+              <a:t>Riter</a:t>
+            </a:r>
+            <a:endParaRPr lang="en-US" b="1" dirty="0"/>
+          </a:p>
+        </p:txBody>
+      </p:sp>
+    </p:spTree>
+    <p:extLst>
+      <p:ext uri="{BB962C8B-B14F-4D97-AF65-F5344CB8AC3E}">
+        <p14:creationId xmlns:p14="http://schemas.microsoft.com/office/powerpoint/2010/main" val="338064841"/>
+      </p:ext>
+    </p:extLst>
+  </p:cSld>
+  <p:clrMapOvr>
+    <a:masterClrMapping/>
+  </p:clrMapOvr>
+</p:sld>
+</file>
+
+<file path=ppt/slides/slide2.xml><?xml version="1.0" encoding="utf-8"?>
+<p:sld xmlns:a="http://schemas.openxmlformats.org/drawingml/2006/main" xmlns:r="http://schemas.openxmlformats.org/officeDocument/2006/relationships" xmlns:p="http://schemas.openxmlformats.org/presentationml/2006/main">
+  <p:cSld>
+    <p:spTree>
+      <p:nvGrpSpPr>
+        <p:cNvPr id="1" name=""/>
+        <p:cNvGrpSpPr/>
+        <p:nvPr/>
+      </p:nvGrpSpPr>
+      <p:grpSpPr>
+        <a:xfrm>
+          <a:off x="0" y="0"/>
+          <a:ext cx="0" cy="0"/>
+          <a:chOff x="0" y="0"/>
+          <a:chExt cx="0" cy="0"/>
+        </a:xfrm>
+      </p:grpSpPr>
+      <p:sp>
+        <p:nvSpPr>
+          <p:cNvPr id="2" name="Title 1">
+            <a:extLst>
+              <a:ext uri="{FF2B5EF4-FFF2-40B4-BE49-F238E27FC236}">
+                <a16:creationId xmlns:a16="http://schemas.microsoft.com/office/drawing/2014/main" id="{063F05BD-5C64-124D-A415-393E641ABD85}"/>
+              </a:ext>
+            </a:extLst>
+          </p:cNvPr>
+          <p:cNvSpPr>
+            <a:spLocks noGrp="1"/>
+          </p:cNvSpPr>
+          <p:nvPr>
+            <p:ph type="title"/>
+          </p:nvPr>
+        </p:nvSpPr>
+        <p:spPr/>
+        <p:txBody>
+          <a:bodyPr/>
+          <a:lstStyle/>
+          <a:p>
+            <a:r>
+              <a:rPr lang="en-US" dirty="0"/>
+              <a:t>Cloud Computing – The Good</a:t>
+            </a:r>
+          </a:p>
+        </p:txBody>
+      </p:sp>
+      <p:sp>
+        <p:nvSpPr>
+          <p:cNvPr id="3" name="Content Placeholder 2">
+            <a:extLst>
+              <a:ext uri="{FF2B5EF4-FFF2-40B4-BE49-F238E27FC236}">
+                <a16:creationId xmlns:a16="http://schemas.microsoft.com/office/drawing/2014/main" id="{686C4028-DC2D-4F49-A222-FB9C8743F36E}"/>
+              </a:ext>
+            </a:extLst>
+          </p:cNvPr>
+          <p:cNvSpPr>
+            <a:spLocks noGrp="1"/>
+          </p:cNvSpPr>
+          <p:nvPr>
+            <p:ph idx="1"/>
+          </p:nvPr>
+        </p:nvSpPr>
+        <p:spPr/>
+        <p:txBody>
+          <a:bodyPr/>
+          <a:lstStyle/>
+          <a:p>
+            <a:r>
+              <a:rPr lang="en-US" dirty="0"/>
+              <a:t>Cloud computing promises to make developing apps at scale easier</a:t>
+            </a:r>
+          </a:p>
+          <a:p>
+            <a:r>
+              <a:rPr lang="en-US" dirty="0"/>
+              <a:t>Deploy and leave it up to ”the experts” to manage the infrastructure</a:t>
+            </a:r>
+          </a:p>
+          <a:p>
+            <a:r>
+              <a:rPr lang="en-US" dirty="0"/>
+              <a:t>Existing apps in private data centers can be ported to Azure</a:t>
+            </a:r>
+          </a:p>
+          <a:p>
+            <a:endParaRPr lang="en-US" dirty="0"/>
+          </a:p>
+        </p:txBody>
+      </p:sp>
+    </p:spTree>
+    <p:extLst>
+      <p:ext uri="{BB962C8B-B14F-4D97-AF65-F5344CB8AC3E}">
+        <p14:creationId xmlns:p14="http://schemas.microsoft.com/office/powerpoint/2010/main" val="3319123884"/>
+      </p:ext>
+    </p:extLst>
+  </p:cSld>
+  <p:clrMapOvr>
+    <a:masterClrMapping/>
+  </p:clrMapOvr>
+</p:sld>
+</file>
+
+<file path=ppt/slides/slide3.xml><?xml version="1.0" encoding="utf-8"?>
+<p:sld xmlns:a="http://schemas.openxmlformats.org/drawingml/2006/main" xmlns:r="http://schemas.openxmlformats.org/officeDocument/2006/relationships" xmlns:p="http://schemas.openxmlformats.org/presentationml/2006/main">
+  <p:cSld>
+    <p:spTree>
+      <p:nvGrpSpPr>
+        <p:cNvPr id="1" name=""/>
+        <p:cNvGrpSpPr/>
+        <p:nvPr/>
+      </p:nvGrpSpPr>
+      <p:grpSpPr>
+        <a:xfrm>
+          <a:off x="0" y="0"/>
+          <a:ext cx="0" cy="0"/>
+          <a:chOff x="0" y="0"/>
+          <a:chExt cx="0" cy="0"/>
+        </a:xfrm>
+      </p:grpSpPr>
+      <p:sp>
+        <p:nvSpPr>
+          <p:cNvPr id="2" name="Title 1">
+            <a:extLst>
+              <a:ext uri="{FF2B5EF4-FFF2-40B4-BE49-F238E27FC236}">
+                <a16:creationId xmlns:a16="http://schemas.microsoft.com/office/drawing/2014/main" id="{A8B569AF-E324-B946-A817-D19EC2AC460A}"/>
+              </a:ext>
+            </a:extLst>
+          </p:cNvPr>
+          <p:cNvSpPr>
+            <a:spLocks noGrp="1"/>
+          </p:cNvSpPr>
+          <p:nvPr>
+            <p:ph type="title"/>
+          </p:nvPr>
+        </p:nvSpPr>
+        <p:spPr/>
+        <p:txBody>
+          <a:bodyPr/>
+          <a:lstStyle/>
+          <a:p>
+            <a:r>
+              <a:rPr lang="en-US" dirty="0"/>
+              <a:t>Cloud Computing – The Bad</a:t>
+            </a:r>
+          </a:p>
+        </p:txBody>
+      </p:sp>
+      <p:sp>
+        <p:nvSpPr>
+          <p:cNvPr id="3" name="Content Placeholder 2">
+            <a:extLst>
+              <a:ext uri="{FF2B5EF4-FFF2-40B4-BE49-F238E27FC236}">
+                <a16:creationId xmlns:a16="http://schemas.microsoft.com/office/drawing/2014/main" id="{A98ED144-8357-824A-8F4A-7A86E7022704}"/>
+              </a:ext>
+            </a:extLst>
+          </p:cNvPr>
+          <p:cNvSpPr>
+            <a:spLocks noGrp="1"/>
+          </p:cNvSpPr>
+          <p:nvPr>
+            <p:ph idx="1"/>
+          </p:nvPr>
+        </p:nvSpPr>
+        <p:spPr/>
+        <p:txBody>
+          <a:bodyPr/>
+          <a:lstStyle/>
+          <a:p>
+            <a:r>
+              <a:rPr lang="en-US" dirty="0"/>
+              <a:t>Current distributed application developers that use Microsoft technologies struggle to adapt to Azure</a:t>
+            </a:r>
+          </a:p>
+          <a:p>
+            <a:r>
+              <a:rPr lang="en-US" dirty="0"/>
+              <a:t>Developers are familiar with using MMC snap-ins to manage Windows Server infrastructure – Azure doesn’t have similar management tools and patterns </a:t>
+            </a:r>
+          </a:p>
+          <a:p>
+            <a:endParaRPr lang="en-US" dirty="0"/>
+          </a:p>
+        </p:txBody>
+      </p:sp>
+    </p:spTree>
+    <p:extLst>
+      <p:ext uri="{BB962C8B-B14F-4D97-AF65-F5344CB8AC3E}">
+        <p14:creationId xmlns:p14="http://schemas.microsoft.com/office/powerpoint/2010/main" val="2234639779"/>
+      </p:ext>
+    </p:extLst>
+  </p:cSld>
+  <p:clrMapOvr>
+    <a:masterClrMapping/>
+  </p:clrMapOvr>
+</p:sld>
+</file>
+
+<file path=ppt/slides/slide4.xml><?xml version="1.0" encoding="utf-8"?>
+<p:sld xmlns:a="http://schemas.openxmlformats.org/drawingml/2006/main" xmlns:r="http://schemas.openxmlformats.org/officeDocument/2006/relationships" xmlns:p="http://schemas.openxmlformats.org/presentationml/2006/main">
+  <p:cSld>
+    <p:spTree>
+      <p:nvGrpSpPr>
+        <p:cNvPr id="1" name=""/>
+        <p:cNvGrpSpPr/>
+        <p:nvPr/>
+      </p:nvGrpSpPr>
+      <p:grpSpPr>
+        <a:xfrm>
+          <a:off x="0" y="0"/>
+          <a:ext cx="0" cy="0"/>
+          <a:chOff x="0" y="0"/>
+          <a:chExt cx="0" cy="0"/>
+        </a:xfrm>
+      </p:grpSpPr>
+      <p:sp>
+        <p:nvSpPr>
+          <p:cNvPr id="2" name="Title 1">
+            <a:extLst>
+              <a:ext uri="{FF2B5EF4-FFF2-40B4-BE49-F238E27FC236}">
+                <a16:creationId xmlns:a16="http://schemas.microsoft.com/office/drawing/2014/main" id="{2031DCC3-827A-FA44-96B5-77B99410F037}"/>
+              </a:ext>
+            </a:extLst>
+          </p:cNvPr>
+          <p:cNvSpPr>
+            <a:spLocks noGrp="1"/>
+          </p:cNvSpPr>
+          <p:nvPr>
+            <p:ph type="title"/>
+          </p:nvPr>
+        </p:nvSpPr>
+        <p:spPr/>
+        <p:txBody>
+          <a:bodyPr/>
+          <a:lstStyle/>
+          <a:p>
+            <a:r>
+              <a:rPr lang="en-US" dirty="0"/>
+              <a:t>Cloud Computing – The Ugly</a:t>
+            </a:r>
+          </a:p>
+        </p:txBody>
+      </p:sp>
+      <p:sp>
+        <p:nvSpPr>
+          <p:cNvPr id="3" name="Content Placeholder 2">
+            <a:extLst>
+              <a:ext uri="{FF2B5EF4-FFF2-40B4-BE49-F238E27FC236}">
+                <a16:creationId xmlns:a16="http://schemas.microsoft.com/office/drawing/2014/main" id="{E20B6A17-831F-7B42-ACAE-3897CF7925BF}"/>
+              </a:ext>
+            </a:extLst>
+          </p:cNvPr>
+          <p:cNvSpPr>
+            <a:spLocks noGrp="1"/>
+          </p:cNvSpPr>
+          <p:nvPr>
+            <p:ph idx="1"/>
+          </p:nvPr>
+        </p:nvSpPr>
+        <p:spPr/>
+        <p:txBody>
+          <a:bodyPr/>
+          <a:lstStyle/>
+          <a:p>
+            <a:r>
+              <a:rPr lang="en-US" dirty="0"/>
+              <a:t>Arcane command line incantations via the Azure CLI</a:t>
+            </a:r>
+          </a:p>
+          <a:p>
+            <a:r>
+              <a:rPr lang="en-US" dirty="0"/>
+              <a:t>YAML is not intuitive</a:t>
+            </a:r>
+          </a:p>
+          <a:p>
+            <a:r>
+              <a:rPr lang="en-US" dirty="0"/>
+              <a:t>ARM templates are impossible to memorize the structure of</a:t>
+            </a:r>
+          </a:p>
+          <a:p>
+            <a:r>
+              <a:rPr lang="en-US" dirty="0"/>
+              <a:t>Repurposing old YAML and ARM, which leads to…</a:t>
+            </a:r>
+          </a:p>
+          <a:p>
+            <a:r>
+              <a:rPr lang="en-US" dirty="0"/>
+              <a:t>Typos 🤮</a:t>
+            </a:r>
+          </a:p>
+        </p:txBody>
+      </p:sp>
+    </p:spTree>
+    <p:extLst>
+      <p:ext uri="{BB962C8B-B14F-4D97-AF65-F5344CB8AC3E}">
+        <p14:creationId xmlns:p14="http://schemas.microsoft.com/office/powerpoint/2010/main" val="2278082457"/>
+      </p:ext>
+    </p:extLst>
+  </p:cSld>
+  <p:clrMapOvr>
+    <a:masterClrMapping/>
+  </p:clrMapOvr>
+</p:sld>
+</file>
+
+<file path=ppt/slides/slide5.xml><?xml version="1.0" encoding="utf-8"?>
+<p:sld xmlns:a="http://schemas.openxmlformats.org/drawingml/2006/main" xmlns:r="http://schemas.openxmlformats.org/officeDocument/2006/relationships" xmlns:p="http://schemas.openxmlformats.org/presentationml/2006/main">
+  <p:cSld>
+    <p:spTree>
+      <p:nvGrpSpPr>
+        <p:cNvPr id="1" name=""/>
+        <p:cNvGrpSpPr/>
+        <p:nvPr/>
+      </p:nvGrpSpPr>
+      <p:grpSpPr>
+        <a:xfrm>
+          <a:off x="0" y="0"/>
+          <a:ext cx="0" cy="0"/>
+          <a:chOff x="0" y="0"/>
+          <a:chExt cx="0" cy="0"/>
+        </a:xfrm>
+      </p:grpSpPr>
+      <p:sp>
+        <p:nvSpPr>
+          <p:cNvPr id="2" name="Title 1">
+            <a:extLst>
+              <a:ext uri="{FF2B5EF4-FFF2-40B4-BE49-F238E27FC236}">
+                <a16:creationId xmlns:a16="http://schemas.microsoft.com/office/drawing/2014/main" id="{12BAB772-9714-7440-A678-E30B7FFF31DE}"/>
+              </a:ext>
+            </a:extLst>
+          </p:cNvPr>
+          <p:cNvSpPr>
+            <a:spLocks noGrp="1"/>
+          </p:cNvSpPr>
+          <p:nvPr>
+            <p:ph type="title"/>
+          </p:nvPr>
+        </p:nvSpPr>
+        <p:spPr/>
+        <p:txBody>
+          <a:bodyPr/>
+          <a:lstStyle/>
+          <a:p>
+            <a:r>
+              <a:rPr lang="en-US" dirty="0"/>
+              <a:t>Microsoft’s Mission</a:t>
+            </a:r>
+          </a:p>
+        </p:txBody>
+      </p:sp>
+      <p:sp>
+        <p:nvSpPr>
+          <p:cNvPr id="3" name="Content Placeholder 2">
+            <a:extLst>
+              <a:ext uri="{FF2B5EF4-FFF2-40B4-BE49-F238E27FC236}">
+                <a16:creationId xmlns:a16="http://schemas.microsoft.com/office/drawing/2014/main" id="{C4D80627-57E6-9748-8EA4-132392636B27}"/>
+              </a:ext>
+            </a:extLst>
+          </p:cNvPr>
+          <p:cNvSpPr>
+            <a:spLocks noGrp="1"/>
+          </p:cNvSpPr>
+          <p:nvPr>
+            <p:ph idx="1"/>
+          </p:nvPr>
+        </p:nvSpPr>
+        <p:spPr/>
+        <p:txBody>
+          <a:bodyPr/>
+          <a:lstStyle/>
+          <a:p>
+            <a:r>
+              <a:rPr lang="en-US" dirty="0"/>
+              <a:t>Microsoft’s corporate mission is </a:t>
+            </a:r>
+            <a:r>
+              <a:rPr lang="en-US" b="1" dirty="0"/>
+              <a:t>to empower every person and every organization on the planet to achieve more</a:t>
+            </a:r>
+          </a:p>
+        </p:txBody>
+      </p:sp>
+    </p:spTree>
+    <p:extLst>
+      <p:ext uri="{BB962C8B-B14F-4D97-AF65-F5344CB8AC3E}">
+        <p14:creationId xmlns:p14="http://schemas.microsoft.com/office/powerpoint/2010/main" val="647000968"/>
+      </p:ext>
+    </p:extLst>
+  </p:cSld>
+  <p:clrMapOvr>
+    <a:masterClrMapping/>
+  </p:clrMapOvr>
+</p:sld>
+</file>
+
+<file path=ppt/slides/slide6.xml><?xml version="1.0" encoding="utf-8"?>
+<p:sld xmlns:a="http://schemas.openxmlformats.org/drawingml/2006/main" xmlns:r="http://schemas.openxmlformats.org/officeDocument/2006/relationships" xmlns:p="http://schemas.openxmlformats.org/presentationml/2006/main">
+  <p:cSld>
+    <p:spTree>
+      <p:nvGrpSpPr>
+        <p:cNvPr id="1" name=""/>
+        <p:cNvGrpSpPr/>
+        <p:nvPr/>
+      </p:nvGrpSpPr>
+      <p:grpSpPr>
+        <a:xfrm>
+          <a:off x="0" y="0"/>
+          <a:ext cx="0" cy="0"/>
+          <a:chOff x="0" y="0"/>
+          <a:chExt cx="0" cy="0"/>
+        </a:xfrm>
+      </p:grpSpPr>
+      <p:sp>
+        <p:nvSpPr>
+          <p:cNvPr id="2" name="Title 1">
+            <a:extLst>
+              <a:ext uri="{FF2B5EF4-FFF2-40B4-BE49-F238E27FC236}">
+                <a16:creationId xmlns:a16="http://schemas.microsoft.com/office/drawing/2014/main" id="{88F521F5-00DB-0F47-8C33-BCFCFEDE830E}"/>
+              </a:ext>
+            </a:extLst>
+          </p:cNvPr>
+          <p:cNvSpPr>
+            <a:spLocks noGrp="1"/>
+          </p:cNvSpPr>
+          <p:nvPr>
+            <p:ph type="title"/>
+          </p:nvPr>
+        </p:nvSpPr>
+        <p:spPr/>
+        <p:txBody>
+          <a:bodyPr/>
+          <a:lstStyle/>
+          <a:p>
+            <a:r>
+              <a:rPr lang="en-US" dirty="0"/>
+              <a:t>The Solution?</a:t>
+            </a:r>
+          </a:p>
+        </p:txBody>
+      </p:sp>
+      <p:sp>
+        <p:nvSpPr>
+          <p:cNvPr id="3" name="Content Placeholder 2">
+            <a:extLst>
+              <a:ext uri="{FF2B5EF4-FFF2-40B4-BE49-F238E27FC236}">
+                <a16:creationId xmlns:a16="http://schemas.microsoft.com/office/drawing/2014/main" id="{210E39B3-05C2-E643-A92A-2F11E2BF3EFD}"/>
+              </a:ext>
+            </a:extLst>
+          </p:cNvPr>
+          <p:cNvSpPr>
+            <a:spLocks noGrp="1"/>
+          </p:cNvSpPr>
+          <p:nvPr>
+            <p:ph idx="1"/>
+          </p:nvPr>
+        </p:nvSpPr>
+        <p:spPr/>
+        <p:txBody>
+          <a:bodyPr/>
+          <a:lstStyle/>
+          <a:p>
+            <a:r>
+              <a:rPr lang="en-US" dirty="0"/>
+              <a:t>Create a visual design tool for Azure that conf</a:t>
+            </a:r>
+          </a:p>
+        </p:txBody>
+      </p:sp>
+    </p:spTree>
+    <p:extLst>
+      <p:ext uri="{BB962C8B-B14F-4D97-AF65-F5344CB8AC3E}">
+        <p14:creationId xmlns:p14="http://schemas.microsoft.com/office/powerpoint/2010/main" val="1608301150"/>
+      </p:ext>
+    </p:extLst>
+  </p:cSld>
+  <p:clrMapOvr>
+    <a:masterClrMapping/>
+  </p:clrMapOvr>
+</p:sld>
+</file>
+
+<file path=ppt/slides/slide7.xml><?xml version="1.0" encoding="utf-8"?>
+<p:sld xmlns:a="http://schemas.openxmlformats.org/drawingml/2006/main" xmlns:r="http://schemas.openxmlformats.org/officeDocument/2006/relationships" xmlns:p="http://schemas.openxmlformats.org/presentationml/2006/main">
+  <p:cSld>
+    <p:spTree>
+      <p:nvGrpSpPr>
+        <p:cNvPr id="1" name=""/>
+        <p:cNvGrpSpPr/>
+        <p:nvPr/>
+      </p:nvGrpSpPr>
+      <p:grpSpPr>
+        <a:xfrm>
+          <a:off x="0" y="0"/>
+          <a:ext cx="0" cy="0"/>
+          <a:chOff x="0" y="0"/>
+          <a:chExt cx="0" cy="0"/>
+        </a:xfrm>
+      </p:grpSpPr>
+      <p:sp>
+        <p:nvSpPr>
+          <p:cNvPr id="2" name="Title 1">
+            <a:extLst>
+              <a:ext uri="{FF2B5EF4-FFF2-40B4-BE49-F238E27FC236}">
+                <a16:creationId xmlns:a16="http://schemas.microsoft.com/office/drawing/2014/main" id="{B328D5E1-8913-FA42-9A93-6E2E6F1474FD}"/>
+              </a:ext>
+            </a:extLst>
+          </p:cNvPr>
+          <p:cNvSpPr>
+            <a:spLocks noGrp="1"/>
+          </p:cNvSpPr>
+          <p:nvPr>
+            <p:ph type="title"/>
+          </p:nvPr>
+        </p:nvSpPr>
+        <p:spPr/>
+        <p:txBody>
+          <a:bodyPr/>
+          <a:lstStyle/>
+          <a:p>
+            <a:r>
+              <a:rPr lang="en-US" dirty="0"/>
+              <a:t>Functionality</a:t>
+            </a:r>
+          </a:p>
+        </p:txBody>
+      </p:sp>
+      <p:sp>
+        <p:nvSpPr>
+          <p:cNvPr id="3" name="Content Placeholder 2">
+            <a:extLst>
+              <a:ext uri="{FF2B5EF4-FFF2-40B4-BE49-F238E27FC236}">
+                <a16:creationId xmlns:a16="http://schemas.microsoft.com/office/drawing/2014/main" id="{FDE95855-72A4-224C-A422-1FD406E3971D}"/>
+              </a:ext>
+            </a:extLst>
+          </p:cNvPr>
+          <p:cNvSpPr>
+            <a:spLocks noGrp="1"/>
+          </p:cNvSpPr>
+          <p:nvPr>
+            <p:ph idx="1"/>
+          </p:nvPr>
+        </p:nvSpPr>
+        <p:spPr/>
+        <p:txBody>
+          <a:bodyPr/>
+          <a:lstStyle/>
+          <a:p>
+            <a:endParaRPr lang="en-US"/>
+          </a:p>
+        </p:txBody>
+      </p:sp>
+    </p:spTree>
+    <p:extLst>
+      <p:ext uri="{BB962C8B-B14F-4D97-AF65-F5344CB8AC3E}">
+        <p14:creationId xmlns:p14="http://schemas.microsoft.com/office/powerpoint/2010/main" val="1076209708"/>
+      </p:ext>
+    </p:extLst>
+  </p:cSld>
+  <p:clrMapOvr>
+    <a:masterClrMapping/>
+  </p:clrMapOvr>
+</p:sld>
+</file>
+
+<file path=ppt/slides/slide8.xml><?xml version="1.0" encoding="utf-8"?>
+<p:sld xmlns:a="http://schemas.openxmlformats.org/drawingml/2006/main" xmlns:r="http://schemas.openxmlformats.org/officeDocument/2006/relationships" xmlns:p="http://schemas.openxmlformats.org/presentationml/2006/main">
+  <p:cSld>
+    <p:spTree>
+      <p:nvGrpSpPr>
+        <p:cNvPr id="1" name=""/>
+        <p:cNvGrpSpPr/>
+        <p:nvPr/>
+      </p:nvGrpSpPr>
+      <p:grpSpPr>
+        <a:xfrm>
+          <a:off x="0" y="0"/>
+          <a:ext cx="0" cy="0"/>
+          <a:chOff x="0" y="0"/>
+          <a:chExt cx="0" cy="0"/>
+        </a:xfrm>
+      </p:grpSpPr>
+      <p:sp>
+        <p:nvSpPr>
+          <p:cNvPr id="2" name="Title 1">
+            <a:extLst>
+              <a:ext uri="{FF2B5EF4-FFF2-40B4-BE49-F238E27FC236}">
+                <a16:creationId xmlns:a16="http://schemas.microsoft.com/office/drawing/2014/main" id="{249C4B54-82D1-3C49-BF66-D8C3D6FC18C3}"/>
+              </a:ext>
+            </a:extLst>
+          </p:cNvPr>
+          <p:cNvSpPr>
+            <a:spLocks noGrp="1"/>
+          </p:cNvSpPr>
+          <p:nvPr>
+            <p:ph type="title"/>
+          </p:nvPr>
+        </p:nvSpPr>
+        <p:spPr/>
+        <p:txBody>
+          <a:bodyPr/>
+          <a:lstStyle/>
+          <a:p>
+            <a:r>
+              <a:rPr lang="en-US" dirty="0"/>
+              <a:t>Visual Azure Studio</a:t>
+            </a:r>
+          </a:p>
+        </p:txBody>
+      </p:sp>
+      <p:sp>
+        <p:nvSpPr>
+          <p:cNvPr id="3" name="Content Placeholder 2">
+            <a:extLst>
+              <a:ext uri="{FF2B5EF4-FFF2-40B4-BE49-F238E27FC236}">
+                <a16:creationId xmlns:a16="http://schemas.microsoft.com/office/drawing/2014/main" id="{050F73DC-5804-A347-9FA6-50E4EC5AC03D}"/>
+              </a:ext>
+            </a:extLst>
+          </p:cNvPr>
+          <p:cNvSpPr>
+            <a:spLocks noGrp="1"/>
+          </p:cNvSpPr>
+          <p:nvPr>
+            <p:ph idx="1"/>
+          </p:nvPr>
+        </p:nvSpPr>
+        <p:spPr>
+          <a:xfrm>
+            <a:off x="1154954" y="3429000"/>
+            <a:ext cx="8825659" cy="2590800"/>
+          </a:xfrm>
+        </p:spPr>
+        <p:txBody>
+          <a:bodyPr>
+            <a:normAutofit/>
+          </a:bodyPr>
+          <a:lstStyle/>
+          <a:p>
+            <a:pPr marL="0" indent="0" algn="ctr">
+              <a:buNone/>
+            </a:pPr>
+            <a:r>
+              <a:rPr lang="en-US" sz="8000" dirty="0"/>
+              <a:t>Demo</a:t>
+            </a:r>
+          </a:p>
+        </p:txBody>
+      </p:sp>
+    </p:spTree>
+    <p:extLst>
+      <p:ext uri="{BB962C8B-B14F-4D97-AF65-F5344CB8AC3E}">
+        <p14:creationId xmlns:p14="http://schemas.microsoft.com/office/powerpoint/2010/main" val="3458889140"/>
+      </p:ext>
+    </p:extLst>
+  </p:cSld>
+  <p:clrMapOvr>
+    <a:masterClrMapping/>
+  </p:clrMapOvr>
+</p:sld>
+</file>
+
+<file path=ppt/slides/slide9.xml><?xml version="1.0" encoding="utf-8"?>
+<p:sld xmlns:a="http://schemas.openxmlformats.org/drawingml/2006/main" xmlns:r="http://schemas.openxmlformats.org/officeDocument/2006/relationships" xmlns:p="http://schemas.openxmlformats.org/presentationml/2006/main">
+  <p:cSld>
+    <p:spTree>
+      <p:nvGrpSpPr>
+        <p:cNvPr id="1" name=""/>
+        <p:cNvGrpSpPr/>
+        <p:nvPr/>
+      </p:nvGrpSpPr>
+      <p:grpSpPr>
+        <a:xfrm>
+          <a:off x="0" y="0"/>
+          <a:ext cx="0" cy="0"/>
+          <a:chOff x="0" y="0"/>
+          <a:chExt cx="0" cy="0"/>
+        </a:xfrm>
+      </p:grpSpPr>
+      <p:sp>
+        <p:nvSpPr>
+          <p:cNvPr id="2" name="Title 1">
+            <a:extLst>
+              <a:ext uri="{FF2B5EF4-FFF2-40B4-BE49-F238E27FC236}">
+                <a16:creationId xmlns:a16="http://schemas.microsoft.com/office/drawing/2014/main" id="{88F521F5-00DB-0F47-8C33-BCFCFEDE830E}"/>
+              </a:ext>
+            </a:extLst>
+          </p:cNvPr>
+          <p:cNvSpPr>
+            <a:spLocks noGrp="1"/>
+          </p:cNvSpPr>
+          <p:nvPr>
+            <p:ph type="title"/>
+          </p:nvPr>
+        </p:nvSpPr>
+        <p:spPr/>
+        <p:txBody>
+          <a:bodyPr/>
+          <a:lstStyle/>
+          <a:p>
+            <a:r>
+              <a:rPr lang="en-US" dirty="0"/>
+              <a:t>Going Forward</a:t>
+            </a:r>
+          </a:p>
+        </p:txBody>
+      </p:sp>
+      <p:sp>
+        <p:nvSpPr>
+          <p:cNvPr id="3" name="Content Placeholder 2">
+            <a:extLst>
+              <a:ext uri="{FF2B5EF4-FFF2-40B4-BE49-F238E27FC236}">
+                <a16:creationId xmlns:a16="http://schemas.microsoft.com/office/drawing/2014/main" id="{210E39B3-05C2-E643-A92A-2F11E2BF3EFD}"/>
+              </a:ext>
+            </a:extLst>
+          </p:cNvPr>
+          <p:cNvSpPr>
+            <a:spLocks noGrp="1"/>
+          </p:cNvSpPr>
+          <p:nvPr>
+            <p:ph idx="1"/>
+          </p:nvPr>
+        </p:nvSpPr>
+        <p:spPr/>
+        <p:txBody>
+          <a:bodyPr/>
+          <a:lstStyle/>
+          <a:p>
+            <a:r>
+              <a:rPr lang="en-US" dirty="0"/>
+              <a:t>Invest more time and energy in a full, modern, and robust application</a:t>
+            </a:r>
+          </a:p>
+          <a:p>
+            <a:r>
+              <a:rPr lang="en-US" dirty="0"/>
+              <a:t>Built using JavaScript around the electron application framework</a:t>
+            </a:r>
+          </a:p>
+          <a:p>
+            <a:r>
+              <a:rPr lang="en-US" dirty="0"/>
+              <a:t>Multi-platform: Windows, Linux, and Mac</a:t>
+            </a:r>
+          </a:p>
+          <a:p>
+            <a:pPr marL="0" indent="0">
+              <a:buNone/>
+            </a:pPr>
+            <a:endParaRPr lang="en-US" dirty="0"/>
+          </a:p>
+          <a:p>
+            <a:pPr marL="0" indent="0">
+              <a:buNone/>
+            </a:pPr>
+            <a:endParaRPr lang="en-US" dirty="0"/>
+          </a:p>
+        </p:txBody>
+      </p:sp>
+    </p:spTree>
+    <p:extLst>
+      <p:ext uri="{BB962C8B-B14F-4D97-AF65-F5344CB8AC3E}">
+        <p14:creationId xmlns:p14="http://schemas.microsoft.com/office/powerpoint/2010/main" val="2466751129"/>
       </p:ext>
     </p:extLst>
   </p:cSld>
